--- a/wy-任宇翔搜索工程师学习之路.pptx
+++ b/wy-任宇翔搜索工程师学习之路.pptx
@@ -9068,7 +9068,7 @@
               <a:rPr lang="zh-CN" altLang="en-US" dirty="0"/>
               <a:t>搜索工程师学习之路</a:t>
             </a:r>
-            <a:endParaRPr lang="zh-CN" altLang="en-US" dirty="0"/>
+            <a:endParaRPr lang="en-US" altLang="zh-CN" dirty="0"/>
           </a:p>
         </p:txBody>
       </p:sp>
@@ -12853,7 +12853,7 @@
         <p:spPr>
           <a:xfrm>
             <a:off x="4993005" y="3211830"/>
-            <a:ext cx="3747770" cy="2860040"/>
+            <a:ext cx="3747770" cy="3413760"/>
           </a:xfrm>
           <a:prstGeom prst="rect">
             <a:avLst/>
@@ -13497,6 +13497,153 @@
                 <a:sym typeface="Arial" panose="020B0604020202020204"/>
               </a:rPr>
               <a:t>质疑？你质疑你来？懵逼！！！</a:t>
+            </a:r>
+            <a:endParaRPr kumimoji="0" lang="zh-CN" altLang="en-US" sz="1800" b="0" i="0" u="none" strike="noStrike" cap="none" spc="0" normalizeH="0" baseline="0">
+              <a:ln>
+                <a:noFill/>
+              </a:ln>
+              <a:solidFill>
+                <a:schemeClr val="accent1"/>
+              </a:solidFill>
+              <a:effectLst/>
+              <a:uFillTx/>
+              <a:latin typeface="Arial" panose="020B0604020202020204"/>
+              <a:ea typeface="宋体" panose="02010600030101010101" pitchFamily="2" charset="-122"/>
+              <a:cs typeface="Arial" panose="020B0604020202020204"/>
+              <a:sym typeface="Arial" panose="020B0604020202020204"/>
+            </a:endParaRPr>
+          </a:p>
+          <a:p>
+            <a:pPr marL="0" marR="0" indent="0" algn="l" defTabSz="914400" rtl="0" fontAlgn="auto" latinLnBrk="0" hangingPunct="0">
+              <a:lnSpc>
+                <a:spcPct val="100000"/>
+              </a:lnSpc>
+              <a:spcBef>
+                <a:spcPts val="0"/>
+              </a:spcBef>
+              <a:spcAft>
+                <a:spcPts val="0"/>
+              </a:spcAft>
+              <a:buClrTx/>
+              <a:buSzTx/>
+              <a:buFontTx/>
+              <a:buNone/>
+            </a:pPr>
+            <a:r>
+              <a:rPr kumimoji="0" lang="en-US" altLang="zh-CN" sz="1800" b="0" i="0" u="none" strike="noStrike" cap="none" spc="0" normalizeH="0" baseline="0">
+                <a:ln>
+                  <a:noFill/>
+                </a:ln>
+                <a:solidFill>
+                  <a:schemeClr val="accent1"/>
+                </a:solidFill>
+                <a:effectLst/>
+                <a:uFillTx/>
+                <a:latin typeface="Arial" panose="020B0604020202020204"/>
+                <a:ea typeface="宋体" panose="02010600030101010101" pitchFamily="2" charset="-122"/>
+                <a:cs typeface="Arial" panose="020B0604020202020204"/>
+                <a:sym typeface="Arial" panose="020B0604020202020204"/>
+              </a:rPr>
+              <a:t>4.</a:t>
+            </a:r>
+            <a:r>
+              <a:rPr kumimoji="0" lang="zh-CN" altLang="zh-CN" sz="1800" b="0" i="0" u="none" strike="noStrike" cap="none" spc="0" normalizeH="0" baseline="0">
+                <a:ln>
+                  <a:noFill/>
+                </a:ln>
+                <a:solidFill>
+                  <a:schemeClr val="accent1"/>
+                </a:solidFill>
+                <a:effectLst/>
+                <a:uFillTx/>
+                <a:latin typeface="Arial" panose="020B0604020202020204"/>
+                <a:ea typeface="宋体" panose="02010600030101010101" pitchFamily="2" charset="-122"/>
+                <a:cs typeface="Arial" panose="020B0604020202020204"/>
+                <a:sym typeface="Arial" panose="020B0604020202020204"/>
+              </a:rPr>
+              <a:t>不是有</a:t>
+            </a:r>
+            <a:r>
+              <a:rPr kumimoji="0" lang="en-US" altLang="zh-CN" sz="1800" b="0" i="0" u="none" strike="noStrike" cap="none" spc="0" normalizeH="0" baseline="0">
+                <a:ln>
+                  <a:noFill/>
+                </a:ln>
+                <a:solidFill>
+                  <a:schemeClr val="accent1"/>
+                </a:solidFill>
+                <a:effectLst/>
+                <a:uFillTx/>
+                <a:latin typeface="Arial" panose="020B0604020202020204"/>
+                <a:ea typeface="宋体" panose="02010600030101010101" pitchFamily="2" charset="-122"/>
+                <a:cs typeface="Arial" panose="020B0604020202020204"/>
+                <a:sym typeface="Arial" panose="020B0604020202020204"/>
+              </a:rPr>
+              <a:t>ML</a:t>
+            </a:r>
+            <a:r>
+              <a:rPr kumimoji="0" lang="zh-CN" altLang="en-US" sz="1800" b="0" i="0" u="none" strike="noStrike" cap="none" spc="0" normalizeH="0" baseline="0">
+                <a:ln>
+                  <a:noFill/>
+                </a:ln>
+                <a:solidFill>
+                  <a:schemeClr val="accent1"/>
+                </a:solidFill>
+                <a:effectLst/>
+                <a:uFillTx/>
+                <a:latin typeface="Arial" panose="020B0604020202020204"/>
+                <a:ea typeface="宋体" panose="02010600030101010101" pitchFamily="2" charset="-122"/>
+                <a:cs typeface="Arial" panose="020B0604020202020204"/>
+                <a:sym typeface="Arial" panose="020B0604020202020204"/>
+              </a:rPr>
+              <a:t>，但是怎么利用呢？</a:t>
+            </a:r>
+            <a:endParaRPr kumimoji="0" lang="zh-CN" altLang="en-US" sz="1800" b="0" i="0" u="none" strike="noStrike" cap="none" spc="0" normalizeH="0" baseline="0">
+              <a:ln>
+                <a:noFill/>
+              </a:ln>
+              <a:solidFill>
+                <a:schemeClr val="accent1"/>
+              </a:solidFill>
+              <a:effectLst/>
+              <a:uFillTx/>
+              <a:latin typeface="Arial" panose="020B0604020202020204"/>
+              <a:ea typeface="宋体" panose="02010600030101010101" pitchFamily="2" charset="-122"/>
+              <a:cs typeface="Arial" panose="020B0604020202020204"/>
+              <a:sym typeface="Arial" panose="020B0604020202020204"/>
+            </a:endParaRPr>
+          </a:p>
+          <a:p>
+            <a:pPr marL="0" marR="0" indent="0" algn="l" defTabSz="914400" rtl="0" fontAlgn="auto" latinLnBrk="0" hangingPunct="0">
+              <a:lnSpc>
+                <a:spcPct val="100000"/>
+              </a:lnSpc>
+              <a:spcBef>
+                <a:spcPts val="0"/>
+              </a:spcBef>
+              <a:spcAft>
+                <a:spcPts val="0"/>
+              </a:spcAft>
+              <a:buClrTx/>
+              <a:buSzTx/>
+              <a:buFontTx/>
+              <a:buNone/>
+            </a:pPr>
+            <a:r>
+              <a:rPr kumimoji="0" lang="zh-CN" altLang="en-US" sz="1800" b="0" i="0" u="none" strike="noStrike" cap="none" spc="0" normalizeH="0" baseline="0">
+                <a:ln>
+                  <a:noFill/>
+                </a:ln>
+                <a:solidFill>
+                  <a:schemeClr val="accent1"/>
+                </a:solidFill>
+                <a:effectLst/>
+                <a:uFillTx/>
+                <a:latin typeface="Arial" panose="020B0604020202020204"/>
+                <a:ea typeface="宋体" panose="02010600030101010101" pitchFamily="2" charset="-122"/>
+                <a:cs typeface="Arial" panose="020B0604020202020204"/>
+                <a:sym typeface="Arial" panose="020B0604020202020204"/>
+              </a:rPr>
+              <a:t>。。。。。。</a:t>
             </a:r>
             <a:endParaRPr kumimoji="0" lang="zh-CN" altLang="en-US" sz="1800" b="0" i="0" u="none" strike="noStrike" cap="none" spc="0" normalizeH="0" baseline="0">
               <a:ln>
@@ -13785,7 +13932,7 @@
                 <a:cs typeface="Arial" panose="020B0604020202020204"/>
                 <a:sym typeface="Arial" panose="020B0604020202020204"/>
               </a:rPr>
-              <a:t>方式还是会的。</a:t>
+              <a:t>学习方法还是会的。</a:t>
             </a:r>
             <a:endParaRPr kumimoji="0" lang="zh-CN" altLang="en-US" sz="1800" b="0" i="0" u="none" strike="noStrike" cap="none" spc="0" normalizeH="0" baseline="0">
               <a:ln>
@@ -15534,6 +15681,713 @@
           </a:p>
         </p:txBody>
       </p:sp>
+      <p:sp>
+        <p:nvSpPr>
+          <p:cNvPr id="4" name="椭圆 3"/>
+          <p:cNvSpPr/>
+          <p:nvPr/>
+        </p:nvSpPr>
+        <p:spPr>
+          <a:xfrm>
+            <a:off x="833755" y="4992066"/>
+            <a:ext cx="592455" cy="525118"/>
+          </a:xfrm>
+          <a:prstGeom prst="ellipse">
+            <a:avLst/>
+          </a:prstGeom>
+          <a:solidFill>
+            <a:srgbClr val="FFFFFF"/>
+          </a:solidFill>
+          <a:ln w="25400" cap="flat">
+            <a:solidFill>
+              <a:schemeClr val="accent1"/>
+            </a:solidFill>
+            <a:prstDash val="solid"/>
+            <a:round/>
+          </a:ln>
+          <a:effectLst>
+            <a:outerShdw blurRad="38100" dist="23000" dir="5400000" rotWithShape="0">
+              <a:srgbClr val="000000">
+                <a:alpha val="35000"/>
+              </a:srgbClr>
+            </a:outerShdw>
+          </a:effectLst>
+        </p:spPr>
+        <p:style>
+          <a:lnRef idx="0">
+            <a:scrgbClr r="0" g="0" b="0"/>
+          </a:lnRef>
+          <a:fillRef idx="0">
+            <a:scrgbClr r="0" g="0" b="0"/>
+          </a:fillRef>
+          <a:effectRef idx="0">
+            <a:scrgbClr r="0" g="0" b="0"/>
+          </a:effectRef>
+          <a:fontRef idx="none"/>
+        </p:style>
+        <p:txBody>
+          <a:bodyPr rot="0" vertOverflow="overflow" horzOverflow="overflow" vert="horz" wrap="square" lIns="45719" tIns="45719" rIns="45719" bIns="45719" numCol="1" spcCol="38100" rtlCol="0" anchor="ctr" forceAA="0">
+            <a:spAutoFit/>
+          </a:bodyPr>
+          <a:p>
+            <a:pPr marL="0" marR="0" indent="0" algn="ctr" defTabSz="914400" rtl="0" fontAlgn="auto" latinLnBrk="0" hangingPunct="0">
+              <a:lnSpc>
+                <a:spcPct val="100000"/>
+              </a:lnSpc>
+              <a:spcBef>
+                <a:spcPts val="0"/>
+              </a:spcBef>
+              <a:spcAft>
+                <a:spcPts val="0"/>
+              </a:spcAft>
+              <a:buClrTx/>
+              <a:buSzTx/>
+              <a:buFontTx/>
+              <a:buNone/>
+            </a:pPr>
+            <a:r>
+              <a:rPr kumimoji="0" lang="en-US" altLang="zh-CN" sz="1800" b="0" i="0" u="none" strike="noStrike" cap="none" spc="0" normalizeH="0" baseline="0">
+                <a:ln>
+                  <a:noFill/>
+                </a:ln>
+                <a:solidFill>
+                  <a:schemeClr val="accent1"/>
+                </a:solidFill>
+                <a:effectLst/>
+                <a:uFillTx/>
+                <a:latin typeface="Arial" panose="020B0604020202020204"/>
+                <a:ea typeface="Arial" panose="020B0604020202020204"/>
+                <a:cs typeface="Arial" panose="020B0604020202020204"/>
+                <a:sym typeface="Arial" panose="020B0604020202020204"/>
+              </a:rPr>
+              <a:t>A</a:t>
+            </a:r>
+            <a:endParaRPr kumimoji="0" lang="en-US" altLang="zh-CN" sz="1800" b="0" i="0" u="none" strike="noStrike" cap="none" spc="0" normalizeH="0" baseline="0">
+              <a:ln>
+                <a:noFill/>
+              </a:ln>
+              <a:solidFill>
+                <a:schemeClr val="accent1"/>
+              </a:solidFill>
+              <a:effectLst/>
+              <a:uFillTx/>
+              <a:latin typeface="Arial" panose="020B0604020202020204"/>
+              <a:ea typeface="Arial" panose="020B0604020202020204"/>
+              <a:cs typeface="Arial" panose="020B0604020202020204"/>
+              <a:sym typeface="Arial" panose="020B0604020202020204"/>
+            </a:endParaRPr>
+          </a:p>
+        </p:txBody>
+      </p:sp>
+      <p:sp>
+        <p:nvSpPr>
+          <p:cNvPr id="6" name="椭圆 5"/>
+          <p:cNvSpPr/>
+          <p:nvPr/>
+        </p:nvSpPr>
+        <p:spPr>
+          <a:xfrm>
+            <a:off x="2838450" y="4992066"/>
+            <a:ext cx="592455" cy="525118"/>
+          </a:xfrm>
+          <a:prstGeom prst="ellipse">
+            <a:avLst/>
+          </a:prstGeom>
+          <a:solidFill>
+            <a:srgbClr val="FFFFFF"/>
+          </a:solidFill>
+          <a:ln w="25400" cap="flat">
+            <a:solidFill>
+              <a:schemeClr val="accent1"/>
+            </a:solidFill>
+            <a:prstDash val="solid"/>
+            <a:round/>
+          </a:ln>
+          <a:effectLst>
+            <a:outerShdw blurRad="38100" dist="23000" dir="5400000" rotWithShape="0">
+              <a:srgbClr val="000000">
+                <a:alpha val="35000"/>
+              </a:srgbClr>
+            </a:outerShdw>
+          </a:effectLst>
+        </p:spPr>
+        <p:style>
+          <a:lnRef idx="0">
+            <a:scrgbClr r="0" g="0" b="0"/>
+          </a:lnRef>
+          <a:fillRef idx="0">
+            <a:scrgbClr r="0" g="0" b="0"/>
+          </a:fillRef>
+          <a:effectRef idx="0">
+            <a:scrgbClr r="0" g="0" b="0"/>
+          </a:effectRef>
+          <a:fontRef idx="none"/>
+        </p:style>
+        <p:txBody>
+          <a:bodyPr rot="0" vertOverflow="overflow" horzOverflow="overflow" vert="horz" wrap="square" lIns="45719" tIns="45719" rIns="45719" bIns="45719" numCol="1" spcCol="38100" rtlCol="0" anchor="ctr" forceAA="0">
+            <a:spAutoFit/>
+          </a:bodyPr>
+          <a:p>
+            <a:pPr marL="0" marR="0" indent="0" algn="ctr" defTabSz="914400" rtl="0" fontAlgn="auto" latinLnBrk="0" hangingPunct="0">
+              <a:lnSpc>
+                <a:spcPct val="100000"/>
+              </a:lnSpc>
+              <a:spcBef>
+                <a:spcPts val="0"/>
+              </a:spcBef>
+              <a:spcAft>
+                <a:spcPts val="0"/>
+              </a:spcAft>
+              <a:buClrTx/>
+              <a:buSzTx/>
+              <a:buFontTx/>
+              <a:buNone/>
+            </a:pPr>
+            <a:r>
+              <a:rPr kumimoji="0" lang="en-US" altLang="zh-CN" sz="1800" b="0" i="0" u="none" strike="noStrike" cap="none" spc="0" normalizeH="0" baseline="0">
+                <a:ln>
+                  <a:noFill/>
+                </a:ln>
+                <a:solidFill>
+                  <a:schemeClr val="accent1"/>
+                </a:solidFill>
+                <a:effectLst/>
+                <a:uFillTx/>
+                <a:latin typeface="Arial" panose="020B0604020202020204"/>
+                <a:ea typeface="Arial" panose="020B0604020202020204"/>
+                <a:cs typeface="Arial" panose="020B0604020202020204"/>
+                <a:sym typeface="Arial" panose="020B0604020202020204"/>
+              </a:rPr>
+              <a:t>B</a:t>
+            </a:r>
+            <a:endParaRPr kumimoji="0" lang="en-US" altLang="zh-CN" sz="1800" b="0" i="0" u="none" strike="noStrike" cap="none" spc="0" normalizeH="0" baseline="0">
+              <a:ln>
+                <a:noFill/>
+              </a:ln>
+              <a:solidFill>
+                <a:schemeClr val="accent1"/>
+              </a:solidFill>
+              <a:effectLst/>
+              <a:uFillTx/>
+              <a:latin typeface="Arial" panose="020B0604020202020204"/>
+              <a:ea typeface="Arial" panose="020B0604020202020204"/>
+              <a:cs typeface="Arial" panose="020B0604020202020204"/>
+              <a:sym typeface="Arial" panose="020B0604020202020204"/>
+            </a:endParaRPr>
+          </a:p>
+        </p:txBody>
+      </p:sp>
+      <p:sp>
+        <p:nvSpPr>
+          <p:cNvPr id="7" name="椭圆 6"/>
+          <p:cNvSpPr/>
+          <p:nvPr/>
+        </p:nvSpPr>
+        <p:spPr>
+          <a:xfrm>
+            <a:off x="4843780" y="4992066"/>
+            <a:ext cx="592455" cy="525118"/>
+          </a:xfrm>
+          <a:prstGeom prst="ellipse">
+            <a:avLst/>
+          </a:prstGeom>
+          <a:solidFill>
+            <a:srgbClr val="FFFFFF"/>
+          </a:solidFill>
+          <a:ln w="25400" cap="flat">
+            <a:solidFill>
+              <a:schemeClr val="accent1"/>
+            </a:solidFill>
+            <a:prstDash val="solid"/>
+            <a:round/>
+          </a:ln>
+          <a:effectLst>
+            <a:outerShdw blurRad="38100" dist="23000" dir="5400000" rotWithShape="0">
+              <a:srgbClr val="000000">
+                <a:alpha val="35000"/>
+              </a:srgbClr>
+            </a:outerShdw>
+          </a:effectLst>
+        </p:spPr>
+        <p:style>
+          <a:lnRef idx="0">
+            <a:scrgbClr r="0" g="0" b="0"/>
+          </a:lnRef>
+          <a:fillRef idx="0">
+            <a:scrgbClr r="0" g="0" b="0"/>
+          </a:fillRef>
+          <a:effectRef idx="0">
+            <a:scrgbClr r="0" g="0" b="0"/>
+          </a:effectRef>
+          <a:fontRef idx="none"/>
+        </p:style>
+        <p:txBody>
+          <a:bodyPr rot="0" vertOverflow="overflow" horzOverflow="overflow" vert="horz" wrap="square" lIns="45719" tIns="45719" rIns="45719" bIns="45719" numCol="1" spcCol="38100" rtlCol="0" anchor="ctr" forceAA="0">
+            <a:spAutoFit/>
+          </a:bodyPr>
+          <a:p>
+            <a:pPr marL="0" marR="0" indent="0" algn="ctr" defTabSz="914400" rtl="0" fontAlgn="auto" latinLnBrk="0" hangingPunct="0">
+              <a:lnSpc>
+                <a:spcPct val="100000"/>
+              </a:lnSpc>
+              <a:spcBef>
+                <a:spcPts val="0"/>
+              </a:spcBef>
+              <a:spcAft>
+                <a:spcPts val="0"/>
+              </a:spcAft>
+              <a:buClrTx/>
+              <a:buSzTx/>
+              <a:buFontTx/>
+              <a:buNone/>
+            </a:pPr>
+            <a:r>
+              <a:rPr kumimoji="0" lang="en-US" altLang="zh-CN" sz="1800" b="0" i="0" u="none" strike="noStrike" cap="none" spc="0" normalizeH="0" baseline="0">
+                <a:ln>
+                  <a:noFill/>
+                </a:ln>
+                <a:solidFill>
+                  <a:schemeClr val="accent1"/>
+                </a:solidFill>
+                <a:effectLst/>
+                <a:uFillTx/>
+                <a:latin typeface="Arial" panose="020B0604020202020204"/>
+                <a:ea typeface="Arial" panose="020B0604020202020204"/>
+                <a:cs typeface="Arial" panose="020B0604020202020204"/>
+                <a:sym typeface="Arial" panose="020B0604020202020204"/>
+              </a:rPr>
+              <a:t>C</a:t>
+            </a:r>
+            <a:endParaRPr kumimoji="0" lang="en-US" altLang="zh-CN" sz="1800" b="0" i="0" u="none" strike="noStrike" cap="none" spc="0" normalizeH="0" baseline="0">
+              <a:ln>
+                <a:noFill/>
+              </a:ln>
+              <a:solidFill>
+                <a:schemeClr val="accent1"/>
+              </a:solidFill>
+              <a:effectLst/>
+              <a:uFillTx/>
+              <a:latin typeface="Arial" panose="020B0604020202020204"/>
+              <a:ea typeface="Arial" panose="020B0604020202020204"/>
+              <a:cs typeface="Arial" panose="020B0604020202020204"/>
+              <a:sym typeface="Arial" panose="020B0604020202020204"/>
+            </a:endParaRPr>
+          </a:p>
+        </p:txBody>
+      </p:sp>
+      <p:sp>
+        <p:nvSpPr>
+          <p:cNvPr id="8" name="椭圆 7"/>
+          <p:cNvSpPr/>
+          <p:nvPr/>
+        </p:nvSpPr>
+        <p:spPr>
+          <a:xfrm>
+            <a:off x="2838450" y="6161339"/>
+            <a:ext cx="592455" cy="520832"/>
+          </a:xfrm>
+          <a:prstGeom prst="ellipse">
+            <a:avLst/>
+          </a:prstGeom>
+          <a:solidFill>
+            <a:srgbClr val="FFFFFF"/>
+          </a:solidFill>
+          <a:ln w="25400" cap="flat">
+            <a:solidFill>
+              <a:schemeClr val="accent1"/>
+            </a:solidFill>
+            <a:prstDash val="solid"/>
+            <a:round/>
+          </a:ln>
+          <a:effectLst>
+            <a:outerShdw blurRad="38100" dist="23000" dir="5400000" rotWithShape="0">
+              <a:srgbClr val="000000">
+                <a:alpha val="35000"/>
+              </a:srgbClr>
+            </a:outerShdw>
+          </a:effectLst>
+        </p:spPr>
+        <p:style>
+          <a:lnRef idx="0">
+            <a:scrgbClr r="0" g="0" b="0"/>
+          </a:lnRef>
+          <a:fillRef idx="0">
+            <a:scrgbClr r="0" g="0" b="0"/>
+          </a:fillRef>
+          <a:effectRef idx="0">
+            <a:scrgbClr r="0" g="0" b="0"/>
+          </a:effectRef>
+          <a:fontRef idx="none"/>
+        </p:style>
+        <p:txBody>
+          <a:bodyPr rot="0" vertOverflow="overflow" horzOverflow="overflow" vert="horz" wrap="square" lIns="45719" tIns="45719" rIns="45719" bIns="45719" numCol="1" spcCol="38100" rtlCol="0" anchor="ctr" forceAA="0">
+            <a:spAutoFit/>
+          </a:bodyPr>
+          <a:p>
+            <a:pPr marL="0" marR="0" indent="0" algn="ctr" defTabSz="914400" rtl="0" fontAlgn="auto" latinLnBrk="0" hangingPunct="0">
+              <a:lnSpc>
+                <a:spcPct val="100000"/>
+              </a:lnSpc>
+              <a:spcBef>
+                <a:spcPts val="0"/>
+              </a:spcBef>
+              <a:spcAft>
+                <a:spcPts val="0"/>
+              </a:spcAft>
+              <a:buClrTx/>
+              <a:buSzTx/>
+              <a:buFontTx/>
+              <a:buNone/>
+            </a:pPr>
+            <a:r>
+              <a:rPr kumimoji="0" lang="en-US" altLang="zh-CN" sz="1800" b="0" i="0" u="none" strike="noStrike" cap="none" spc="0" normalizeH="0" baseline="0">
+                <a:ln>
+                  <a:noFill/>
+                </a:ln>
+                <a:solidFill>
+                  <a:schemeClr val="accent1"/>
+                </a:solidFill>
+                <a:effectLst/>
+                <a:uFillTx/>
+                <a:latin typeface="Arial" panose="020B0604020202020204"/>
+                <a:ea typeface="Arial" panose="020B0604020202020204"/>
+                <a:cs typeface="Arial" panose="020B0604020202020204"/>
+                <a:sym typeface="Arial" panose="020B0604020202020204"/>
+              </a:rPr>
+              <a:t>D</a:t>
+            </a:r>
+            <a:endParaRPr kumimoji="0" lang="en-US" altLang="zh-CN" sz="1800" b="0" i="0" u="none" strike="noStrike" cap="none" spc="0" normalizeH="0" baseline="0">
+              <a:ln>
+                <a:noFill/>
+              </a:ln>
+              <a:solidFill>
+                <a:schemeClr val="accent1"/>
+              </a:solidFill>
+              <a:effectLst/>
+              <a:uFillTx/>
+              <a:latin typeface="Arial" panose="020B0604020202020204"/>
+              <a:ea typeface="Arial" panose="020B0604020202020204"/>
+              <a:cs typeface="Arial" panose="020B0604020202020204"/>
+              <a:sym typeface="Arial" panose="020B0604020202020204"/>
+            </a:endParaRPr>
+          </a:p>
+        </p:txBody>
+      </p:sp>
+      <p:cxnSp>
+        <p:nvCxnSpPr>
+          <p:cNvPr id="10" name="直接箭头连接符 9"/>
+          <p:cNvCxnSpPr>
+            <a:stCxn id="4" idx="6"/>
+            <a:endCxn id="6" idx="2"/>
+          </p:cNvCxnSpPr>
+          <p:nvPr/>
+        </p:nvCxnSpPr>
+        <p:spPr>
+          <a:xfrm>
+            <a:off x="1426210" y="5255260"/>
+            <a:ext cx="1412240" cy="0"/>
+          </a:xfrm>
+          <a:prstGeom prst="straightConnector1">
+            <a:avLst/>
+          </a:prstGeom>
+          <a:noFill/>
+          <a:ln w="25400" cap="flat">
+            <a:solidFill>
+              <a:schemeClr val="accent1"/>
+            </a:solidFill>
+            <a:prstDash val="solid"/>
+            <a:round/>
+            <a:headEnd type="arrow"/>
+            <a:tailEnd type="arrow"/>
+          </a:ln>
+          <a:effectLst>
+            <a:outerShdw blurRad="38100" dist="20000" dir="5400000" rotWithShape="0">
+              <a:srgbClr val="000000">
+                <a:alpha val="38000"/>
+              </a:srgbClr>
+            </a:outerShdw>
+          </a:effectLst>
+        </p:spPr>
+        <p:style>
+          <a:lnRef idx="0">
+            <a:scrgbClr r="0" g="0" b="0"/>
+          </a:lnRef>
+          <a:fillRef idx="0">
+            <a:scrgbClr r="0" g="0" b="0"/>
+          </a:fillRef>
+          <a:effectRef idx="0">
+            <a:scrgbClr r="0" g="0" b="0"/>
+          </a:effectRef>
+          <a:fontRef idx="none"/>
+        </p:style>
+      </p:cxnSp>
+      <p:cxnSp>
+        <p:nvCxnSpPr>
+          <p:cNvPr id="11" name="直接箭头连接符 10"/>
+          <p:cNvCxnSpPr>
+            <a:stCxn id="6" idx="4"/>
+            <a:endCxn id="8" idx="0"/>
+          </p:cNvCxnSpPr>
+          <p:nvPr/>
+        </p:nvCxnSpPr>
+        <p:spPr>
+          <a:xfrm>
+            <a:off x="3134995" y="5517515"/>
+            <a:ext cx="0" cy="643890"/>
+          </a:xfrm>
+          <a:prstGeom prst="straightConnector1">
+            <a:avLst/>
+          </a:prstGeom>
+          <a:noFill/>
+          <a:ln w="25400" cap="flat">
+            <a:solidFill>
+              <a:schemeClr val="accent1"/>
+            </a:solidFill>
+            <a:prstDash val="solid"/>
+            <a:round/>
+            <a:headEnd type="arrow"/>
+            <a:tailEnd type="arrow"/>
+          </a:ln>
+          <a:effectLst>
+            <a:outerShdw blurRad="38100" dist="20000" dir="5400000" rotWithShape="0">
+              <a:srgbClr val="000000">
+                <a:alpha val="38000"/>
+              </a:srgbClr>
+            </a:outerShdw>
+          </a:effectLst>
+        </p:spPr>
+        <p:style>
+          <a:lnRef idx="0">
+            <a:scrgbClr r="0" g="0" b="0"/>
+          </a:lnRef>
+          <a:fillRef idx="0">
+            <a:scrgbClr r="0" g="0" b="0"/>
+          </a:fillRef>
+          <a:effectRef idx="0">
+            <a:scrgbClr r="0" g="0" b="0"/>
+          </a:effectRef>
+          <a:fontRef idx="none"/>
+        </p:style>
+      </p:cxnSp>
+      <p:cxnSp>
+        <p:nvCxnSpPr>
+          <p:cNvPr id="14" name="直接箭头连接符 13"/>
+          <p:cNvCxnSpPr>
+            <a:stCxn id="6" idx="6"/>
+            <a:endCxn id="7" idx="2"/>
+          </p:cNvCxnSpPr>
+          <p:nvPr/>
+        </p:nvCxnSpPr>
+        <p:spPr>
+          <a:xfrm>
+            <a:off x="3430905" y="5255260"/>
+            <a:ext cx="1412875" cy="0"/>
+          </a:xfrm>
+          <a:prstGeom prst="straightConnector1">
+            <a:avLst/>
+          </a:prstGeom>
+          <a:noFill/>
+          <a:ln w="25400" cap="flat">
+            <a:solidFill>
+              <a:schemeClr val="accent1"/>
+            </a:solidFill>
+            <a:prstDash val="solid"/>
+            <a:round/>
+            <a:headEnd type="arrow"/>
+            <a:tailEnd type="arrow"/>
+          </a:ln>
+          <a:effectLst>
+            <a:outerShdw blurRad="38100" dist="20000" dir="5400000" rotWithShape="0">
+              <a:srgbClr val="000000">
+                <a:alpha val="38000"/>
+              </a:srgbClr>
+            </a:outerShdw>
+          </a:effectLst>
+        </p:spPr>
+        <p:style>
+          <a:lnRef idx="0">
+            <a:scrgbClr r="0" g="0" b="0"/>
+          </a:lnRef>
+          <a:fillRef idx="0">
+            <a:scrgbClr r="0" g="0" b="0"/>
+          </a:fillRef>
+          <a:effectRef idx="0">
+            <a:scrgbClr r="0" g="0" b="0"/>
+          </a:effectRef>
+          <a:fontRef idx="none"/>
+        </p:style>
+      </p:cxnSp>
+      <p:cxnSp>
+        <p:nvCxnSpPr>
+          <p:cNvPr id="15" name="直接箭头连接符 14"/>
+          <p:cNvCxnSpPr>
+            <a:stCxn id="4" idx="4"/>
+            <a:endCxn id="8" idx="2"/>
+          </p:cNvCxnSpPr>
+          <p:nvPr/>
+        </p:nvCxnSpPr>
+        <p:spPr>
+          <a:xfrm>
+            <a:off x="1130300" y="5517515"/>
+            <a:ext cx="1708150" cy="904240"/>
+          </a:xfrm>
+          <a:prstGeom prst="straightConnector1">
+            <a:avLst/>
+          </a:prstGeom>
+          <a:noFill/>
+          <a:ln w="25400" cap="flat">
+            <a:solidFill>
+              <a:schemeClr val="accent1"/>
+            </a:solidFill>
+            <a:prstDash val="solid"/>
+            <a:round/>
+            <a:headEnd type="arrow"/>
+            <a:tailEnd type="arrow"/>
+          </a:ln>
+          <a:effectLst>
+            <a:outerShdw blurRad="38100" dist="20000" dir="5400000" rotWithShape="0">
+              <a:srgbClr val="000000">
+                <a:alpha val="38000"/>
+              </a:srgbClr>
+            </a:outerShdw>
+          </a:effectLst>
+        </p:spPr>
+        <p:style>
+          <a:lnRef idx="0">
+            <a:scrgbClr r="0" g="0" b="0"/>
+          </a:lnRef>
+          <a:fillRef idx="0">
+            <a:scrgbClr r="0" g="0" b="0"/>
+          </a:fillRef>
+          <a:effectRef idx="0">
+            <a:scrgbClr r="0" g="0" b="0"/>
+          </a:effectRef>
+          <a:fontRef idx="none"/>
+        </p:style>
+      </p:cxnSp>
+      <p:cxnSp>
+        <p:nvCxnSpPr>
+          <p:cNvPr id="16" name="直接箭头连接符 15"/>
+          <p:cNvCxnSpPr>
+            <a:stCxn id="8" idx="6"/>
+            <a:endCxn id="7" idx="4"/>
+          </p:cNvCxnSpPr>
+          <p:nvPr/>
+        </p:nvCxnSpPr>
+        <p:spPr>
+          <a:xfrm flipV="1">
+            <a:off x="3430905" y="5517515"/>
+            <a:ext cx="1709420" cy="904240"/>
+          </a:xfrm>
+          <a:prstGeom prst="straightConnector1">
+            <a:avLst/>
+          </a:prstGeom>
+          <a:ln>
+            <a:headEnd type="arrow" w="med" len="med"/>
+            <a:tailEnd type="arrow" w="med" len="med"/>
+          </a:ln>
+        </p:spPr>
+        <p:style>
+          <a:lnRef idx="2">
+            <a:schemeClr val="accent3"/>
+          </a:lnRef>
+          <a:fillRef idx="0">
+            <a:schemeClr val="accent3"/>
+          </a:fillRef>
+          <a:effectRef idx="1">
+            <a:schemeClr val="accent3"/>
+          </a:effectRef>
+          <a:fontRef idx="minor">
+            <a:schemeClr val="tx1"/>
+          </a:fontRef>
+        </p:style>
+      </p:cxnSp>
+      <p:sp>
+        <p:nvSpPr>
+          <p:cNvPr id="18" name="文本框 17"/>
+          <p:cNvSpPr txBox="1"/>
+          <p:nvPr/>
+        </p:nvSpPr>
+        <p:spPr>
+          <a:xfrm>
+            <a:off x="4525010" y="5883275"/>
+            <a:ext cx="318770" cy="367030"/>
+          </a:xfrm>
+          <a:prstGeom prst="rect">
+            <a:avLst/>
+          </a:prstGeom>
+          <a:noFill/>
+          <a:ln w="12700" cap="flat">
+            <a:noFill/>
+            <a:miter lim="400000"/>
+          </a:ln>
+        </p:spPr>
+        <p:style>
+          <a:lnRef idx="0">
+            <a:scrgbClr r="0" g="0" b="0"/>
+          </a:lnRef>
+          <a:fillRef idx="0">
+            <a:scrgbClr r="0" g="0" b="0"/>
+          </a:fillRef>
+          <a:effectRef idx="0">
+            <a:scrgbClr r="0" g="0" b="0"/>
+          </a:effectRef>
+          <a:fontRef idx="none"/>
+        </p:style>
+        <p:txBody>
+          <a:bodyPr rot="0" vertOverflow="overflow" horzOverflow="overflow" vert="horz" wrap="none" lIns="45719" tIns="45719" rIns="45719" bIns="45719" numCol="1" spcCol="38100" rtlCol="0" anchor="t" forceAA="0">
+            <a:spAutoFit/>
+          </a:bodyPr>
+          <a:p>
+            <a:pPr marL="0" marR="0" indent="0" algn="l" defTabSz="914400" rtl="0" fontAlgn="auto" latinLnBrk="0" hangingPunct="0">
+              <a:lnSpc>
+                <a:spcPct val="100000"/>
+              </a:lnSpc>
+              <a:spcBef>
+                <a:spcPts val="0"/>
+              </a:spcBef>
+              <a:spcAft>
+                <a:spcPts val="0"/>
+              </a:spcAft>
+              <a:buClrTx/>
+              <a:buSzTx/>
+              <a:buFontTx/>
+              <a:buNone/>
+            </a:pPr>
+            <a:r>
+              <a:rPr kumimoji="0" lang="zh-CN" altLang="en-US" sz="1800" b="0" i="0" u="none" strike="noStrike" cap="none" spc="0" normalizeH="0" baseline="0">
+                <a:ln>
+                  <a:noFill/>
+                </a:ln>
+                <a:solidFill>
+                  <a:schemeClr val="accent1"/>
+                </a:solidFill>
+                <a:effectLst/>
+                <a:uFillTx/>
+                <a:latin typeface="Arial" panose="020B0604020202020204"/>
+                <a:ea typeface="Arial" panose="020B0604020202020204"/>
+                <a:cs typeface="Arial" panose="020B0604020202020204"/>
+                <a:sym typeface="Arial" panose="020B0604020202020204"/>
+              </a:rPr>
+              <a:t>？</a:t>
+            </a:r>
+            <a:endParaRPr kumimoji="0" lang="zh-CN" altLang="en-US" sz="1800" b="0" i="0" u="none" strike="noStrike" cap="none" spc="0" normalizeH="0" baseline="0">
+              <a:ln>
+                <a:noFill/>
+              </a:ln>
+              <a:solidFill>
+                <a:schemeClr val="accent1"/>
+              </a:solidFill>
+              <a:effectLst/>
+              <a:uFillTx/>
+              <a:latin typeface="Arial" panose="020B0604020202020204"/>
+              <a:ea typeface="Arial" panose="020B0604020202020204"/>
+              <a:cs typeface="Arial" panose="020B0604020202020204"/>
+              <a:sym typeface="Arial" panose="020B0604020202020204"/>
+            </a:endParaRPr>
+          </a:p>
+        </p:txBody>
+      </p:sp>
     </p:spTree>
   </p:cSld>
   <p:clrMapOvr>
@@ -15543,9 +16397,407 @@
   <p:timing>
     <p:tnLst>
       <p:par>
-        <p:cTn id="1" dur="indefinite" restart="never" nodeType="tmRoot"/>
+        <p:cTn id="1" dur="indefinite" restart="never" nodeType="tmRoot">
+          <p:childTnLst>
+            <p:seq concurrent="1" nextAc="seek">
+              <p:cTn id="2" dur="indefinite" nodeType="mainSeq">
+                <p:childTnLst>
+                  <p:par>
+                    <p:cTn id="3" fill="hold">
+                      <p:stCondLst>
+                        <p:cond delay="indefinite"/>
+                      </p:stCondLst>
+                      <p:childTnLst>
+                        <p:par>
+                          <p:cTn id="4" fill="hold">
+                            <p:stCondLst>
+                              <p:cond delay="0"/>
+                            </p:stCondLst>
+                            <p:childTnLst>
+                              <p:par>
+                                <p:cTn id="5" presetID="3" presetClass="entr" presetSubtype="10" fill="hold" grpId="0" nodeType="clickEffect">
+                                  <p:stCondLst>
+                                    <p:cond delay="0"/>
+                                  </p:stCondLst>
+                                  <p:childTnLst>
+                                    <p:set>
+                                      <p:cBhvr>
+                                        <p:cTn id="6" dur="1" fill="hold">
+                                          <p:stCondLst>
+                                            <p:cond delay="0"/>
+                                          </p:stCondLst>
+                                        </p:cTn>
+                                        <p:tgtEl>
+                                          <p:spTgt spid="4"/>
+                                        </p:tgtEl>
+                                        <p:attrNameLst>
+                                          <p:attrName>style.visibility</p:attrName>
+                                        </p:attrNameLst>
+                                      </p:cBhvr>
+                                      <p:to>
+                                        <p:strVal val="visible"/>
+                                      </p:to>
+                                    </p:set>
+                                    <p:animEffect transition="in" filter="blinds(horizontal)">
+                                      <p:cBhvr>
+                                        <p:cTn id="7" dur="500"/>
+                                        <p:tgtEl>
+                                          <p:spTgt spid="4"/>
+                                        </p:tgtEl>
+                                      </p:cBhvr>
+                                    </p:animEffect>
+                                  </p:childTnLst>
+                                </p:cTn>
+                              </p:par>
+                              <p:par>
+                                <p:cTn id="8" presetID="3" presetClass="entr" presetSubtype="10" fill="hold" grpId="0" nodeType="withEffect">
+                                  <p:stCondLst>
+                                    <p:cond delay="0"/>
+                                  </p:stCondLst>
+                                  <p:childTnLst>
+                                    <p:set>
+                                      <p:cBhvr>
+                                        <p:cTn id="9" dur="1" fill="hold">
+                                          <p:stCondLst>
+                                            <p:cond delay="0"/>
+                                          </p:stCondLst>
+                                        </p:cTn>
+                                        <p:tgtEl>
+                                          <p:spTgt spid="6"/>
+                                        </p:tgtEl>
+                                        <p:attrNameLst>
+                                          <p:attrName>style.visibility</p:attrName>
+                                        </p:attrNameLst>
+                                      </p:cBhvr>
+                                      <p:to>
+                                        <p:strVal val="visible"/>
+                                      </p:to>
+                                    </p:set>
+                                    <p:animEffect transition="in" filter="blinds(horizontal)">
+                                      <p:cBhvr>
+                                        <p:cTn id="10" dur="500"/>
+                                        <p:tgtEl>
+                                          <p:spTgt spid="6"/>
+                                        </p:tgtEl>
+                                      </p:cBhvr>
+                                    </p:animEffect>
+                                  </p:childTnLst>
+                                </p:cTn>
+                              </p:par>
+                              <p:par>
+                                <p:cTn id="11" presetID="3" presetClass="entr" presetSubtype="10" fill="hold" grpId="0" nodeType="withEffect">
+                                  <p:stCondLst>
+                                    <p:cond delay="0"/>
+                                  </p:stCondLst>
+                                  <p:childTnLst>
+                                    <p:set>
+                                      <p:cBhvr>
+                                        <p:cTn id="12" dur="1" fill="hold">
+                                          <p:stCondLst>
+                                            <p:cond delay="0"/>
+                                          </p:stCondLst>
+                                        </p:cTn>
+                                        <p:tgtEl>
+                                          <p:spTgt spid="7"/>
+                                        </p:tgtEl>
+                                        <p:attrNameLst>
+                                          <p:attrName>style.visibility</p:attrName>
+                                        </p:attrNameLst>
+                                      </p:cBhvr>
+                                      <p:to>
+                                        <p:strVal val="visible"/>
+                                      </p:to>
+                                    </p:set>
+                                    <p:animEffect transition="in" filter="blinds(horizontal)">
+                                      <p:cBhvr>
+                                        <p:cTn id="13" dur="500"/>
+                                        <p:tgtEl>
+                                          <p:spTgt spid="7"/>
+                                        </p:tgtEl>
+                                      </p:cBhvr>
+                                    </p:animEffect>
+                                  </p:childTnLst>
+                                </p:cTn>
+                              </p:par>
+                              <p:par>
+                                <p:cTn id="14" presetID="3" presetClass="entr" presetSubtype="10" fill="hold" grpId="0" nodeType="withEffect">
+                                  <p:stCondLst>
+                                    <p:cond delay="0"/>
+                                  </p:stCondLst>
+                                  <p:childTnLst>
+                                    <p:set>
+                                      <p:cBhvr>
+                                        <p:cTn id="15" dur="1" fill="hold">
+                                          <p:stCondLst>
+                                            <p:cond delay="0"/>
+                                          </p:stCondLst>
+                                        </p:cTn>
+                                        <p:tgtEl>
+                                          <p:spTgt spid="8"/>
+                                        </p:tgtEl>
+                                        <p:attrNameLst>
+                                          <p:attrName>style.visibility</p:attrName>
+                                        </p:attrNameLst>
+                                      </p:cBhvr>
+                                      <p:to>
+                                        <p:strVal val="visible"/>
+                                      </p:to>
+                                    </p:set>
+                                    <p:animEffect transition="in" filter="blinds(horizontal)">
+                                      <p:cBhvr>
+                                        <p:cTn id="16" dur="500"/>
+                                        <p:tgtEl>
+                                          <p:spTgt spid="8"/>
+                                        </p:tgtEl>
+                                      </p:cBhvr>
+                                    </p:animEffect>
+                                  </p:childTnLst>
+                                </p:cTn>
+                              </p:par>
+                              <p:par>
+                                <p:cTn id="17" presetID="3" presetClass="entr" presetSubtype="10" fill="hold" nodeType="withEffect">
+                                  <p:stCondLst>
+                                    <p:cond delay="0"/>
+                                  </p:stCondLst>
+                                  <p:childTnLst>
+                                    <p:set>
+                                      <p:cBhvr>
+                                        <p:cTn id="18" dur="1" fill="hold">
+                                          <p:stCondLst>
+                                            <p:cond delay="0"/>
+                                          </p:stCondLst>
+                                        </p:cTn>
+                                        <p:tgtEl>
+                                          <p:spTgt spid="10"/>
+                                        </p:tgtEl>
+                                        <p:attrNameLst>
+                                          <p:attrName>style.visibility</p:attrName>
+                                        </p:attrNameLst>
+                                      </p:cBhvr>
+                                      <p:to>
+                                        <p:strVal val="visible"/>
+                                      </p:to>
+                                    </p:set>
+                                    <p:animEffect transition="in" filter="blinds(horizontal)">
+                                      <p:cBhvr>
+                                        <p:cTn id="19" dur="500"/>
+                                        <p:tgtEl>
+                                          <p:spTgt spid="10"/>
+                                        </p:tgtEl>
+                                      </p:cBhvr>
+                                    </p:animEffect>
+                                  </p:childTnLst>
+                                </p:cTn>
+                              </p:par>
+                              <p:par>
+                                <p:cTn id="20" presetID="3" presetClass="entr" presetSubtype="10" fill="hold" nodeType="withEffect">
+                                  <p:stCondLst>
+                                    <p:cond delay="0"/>
+                                  </p:stCondLst>
+                                  <p:childTnLst>
+                                    <p:set>
+                                      <p:cBhvr>
+                                        <p:cTn id="21" dur="1" fill="hold">
+                                          <p:stCondLst>
+                                            <p:cond delay="0"/>
+                                          </p:stCondLst>
+                                        </p:cTn>
+                                        <p:tgtEl>
+                                          <p:spTgt spid="11"/>
+                                        </p:tgtEl>
+                                        <p:attrNameLst>
+                                          <p:attrName>style.visibility</p:attrName>
+                                        </p:attrNameLst>
+                                      </p:cBhvr>
+                                      <p:to>
+                                        <p:strVal val="visible"/>
+                                      </p:to>
+                                    </p:set>
+                                    <p:animEffect transition="in" filter="blinds(horizontal)">
+                                      <p:cBhvr>
+                                        <p:cTn id="22" dur="500"/>
+                                        <p:tgtEl>
+                                          <p:spTgt spid="11"/>
+                                        </p:tgtEl>
+                                      </p:cBhvr>
+                                    </p:animEffect>
+                                  </p:childTnLst>
+                                </p:cTn>
+                              </p:par>
+                              <p:par>
+                                <p:cTn id="23" presetID="3" presetClass="entr" presetSubtype="10" fill="hold" nodeType="withEffect">
+                                  <p:stCondLst>
+                                    <p:cond delay="0"/>
+                                  </p:stCondLst>
+                                  <p:childTnLst>
+                                    <p:set>
+                                      <p:cBhvr>
+                                        <p:cTn id="24" dur="1" fill="hold">
+                                          <p:stCondLst>
+                                            <p:cond delay="0"/>
+                                          </p:stCondLst>
+                                        </p:cTn>
+                                        <p:tgtEl>
+                                          <p:spTgt spid="14"/>
+                                        </p:tgtEl>
+                                        <p:attrNameLst>
+                                          <p:attrName>style.visibility</p:attrName>
+                                        </p:attrNameLst>
+                                      </p:cBhvr>
+                                      <p:to>
+                                        <p:strVal val="visible"/>
+                                      </p:to>
+                                    </p:set>
+                                    <p:animEffect transition="in" filter="blinds(horizontal)">
+                                      <p:cBhvr>
+                                        <p:cTn id="25" dur="500"/>
+                                        <p:tgtEl>
+                                          <p:spTgt spid="14"/>
+                                        </p:tgtEl>
+                                      </p:cBhvr>
+                                    </p:animEffect>
+                                  </p:childTnLst>
+                                </p:cTn>
+                              </p:par>
+                              <p:par>
+                                <p:cTn id="26" presetID="3" presetClass="entr" presetSubtype="10" fill="hold" nodeType="withEffect">
+                                  <p:stCondLst>
+                                    <p:cond delay="0"/>
+                                  </p:stCondLst>
+                                  <p:childTnLst>
+                                    <p:set>
+                                      <p:cBhvr>
+                                        <p:cTn id="27" dur="1" fill="hold">
+                                          <p:stCondLst>
+                                            <p:cond delay="0"/>
+                                          </p:stCondLst>
+                                        </p:cTn>
+                                        <p:tgtEl>
+                                          <p:spTgt spid="15"/>
+                                        </p:tgtEl>
+                                        <p:attrNameLst>
+                                          <p:attrName>style.visibility</p:attrName>
+                                        </p:attrNameLst>
+                                      </p:cBhvr>
+                                      <p:to>
+                                        <p:strVal val="visible"/>
+                                      </p:to>
+                                    </p:set>
+                                    <p:animEffect transition="in" filter="blinds(horizontal)">
+                                      <p:cBhvr>
+                                        <p:cTn id="28" dur="500"/>
+                                        <p:tgtEl>
+                                          <p:spTgt spid="15"/>
+                                        </p:tgtEl>
+                                      </p:cBhvr>
+                                    </p:animEffect>
+                                  </p:childTnLst>
+                                </p:cTn>
+                              </p:par>
+                              <p:par>
+                                <p:cTn id="29" presetID="3" presetClass="entr" presetSubtype="10" fill="hold" nodeType="withEffect">
+                                  <p:stCondLst>
+                                    <p:cond delay="0"/>
+                                  </p:stCondLst>
+                                  <p:childTnLst>
+                                    <p:set>
+                                      <p:cBhvr>
+                                        <p:cTn id="30" dur="1" fill="hold">
+                                          <p:stCondLst>
+                                            <p:cond delay="0"/>
+                                          </p:stCondLst>
+                                        </p:cTn>
+                                        <p:tgtEl>
+                                          <p:spTgt spid="16"/>
+                                        </p:tgtEl>
+                                        <p:attrNameLst>
+                                          <p:attrName>style.visibility</p:attrName>
+                                        </p:attrNameLst>
+                                      </p:cBhvr>
+                                      <p:to>
+                                        <p:strVal val="visible"/>
+                                      </p:to>
+                                    </p:set>
+                                    <p:animEffect transition="in" filter="blinds(horizontal)">
+                                      <p:cBhvr>
+                                        <p:cTn id="31" dur="500"/>
+                                        <p:tgtEl>
+                                          <p:spTgt spid="16"/>
+                                        </p:tgtEl>
+                                      </p:cBhvr>
+                                    </p:animEffect>
+                                  </p:childTnLst>
+                                </p:cTn>
+                              </p:par>
+                              <p:par>
+                                <p:cTn id="32" presetID="3" presetClass="entr" presetSubtype="10" fill="hold" grpId="0" nodeType="withEffect">
+                                  <p:stCondLst>
+                                    <p:cond delay="0"/>
+                                  </p:stCondLst>
+                                  <p:childTnLst>
+                                    <p:set>
+                                      <p:cBhvr>
+                                        <p:cTn id="33" dur="1" fill="hold">
+                                          <p:stCondLst>
+                                            <p:cond delay="0"/>
+                                          </p:stCondLst>
+                                        </p:cTn>
+                                        <p:tgtEl>
+                                          <p:spTgt spid="18"/>
+                                        </p:tgtEl>
+                                        <p:attrNameLst>
+                                          <p:attrName>style.visibility</p:attrName>
+                                        </p:attrNameLst>
+                                      </p:cBhvr>
+                                      <p:to>
+                                        <p:strVal val="visible"/>
+                                      </p:to>
+                                    </p:set>
+                                    <p:animEffect transition="in" filter="blinds(horizontal)">
+                                      <p:cBhvr>
+                                        <p:cTn id="34" dur="500"/>
+                                        <p:tgtEl>
+                                          <p:spTgt spid="18"/>
+                                        </p:tgtEl>
+                                      </p:cBhvr>
+                                    </p:animEffect>
+                                  </p:childTnLst>
+                                </p:cTn>
+                              </p:par>
+                            </p:childTnLst>
+                          </p:cTn>
+                        </p:par>
+                      </p:childTnLst>
+                    </p:cTn>
+                  </p:par>
+                </p:childTnLst>
+              </p:cTn>
+              <p:prevCondLst>
+                <p:cond evt="onPrev" delay="0">
+                  <p:tgtEl>
+                    <p:sldTgt/>
+                  </p:tgtEl>
+                </p:cond>
+              </p:prevCondLst>
+              <p:nextCondLst>
+                <p:cond evt="onNext" delay="0">
+                  <p:tgtEl>
+                    <p:sldTgt/>
+                  </p:tgtEl>
+                </p:cond>
+              </p:nextCondLst>
+            </p:seq>
+          </p:childTnLst>
+        </p:cTn>
       </p:par>
     </p:tnLst>
+    <p:bldLst>
+      <p:bldP spid="4" grpId="0" animBg="1"/>
+      <p:bldP spid="6" grpId="0" animBg="1"/>
+      <p:bldP spid="7" grpId="0" animBg="1"/>
+      <p:bldP spid="8" grpId="0" animBg="1"/>
+      <p:bldP spid="18" grpId="0" animBg="1"/>
+    </p:bldLst>
   </p:timing>
 </p:sld>
 </file>
@@ -18400,7 +19652,7 @@
                 <a:cs typeface="Arial" panose="020B0604020202020204"/>
                 <a:sym typeface="Arial" panose="020B0604020202020204"/>
               </a:rPr>
-              <a:t>一、结构化文本</a:t>
+              <a:t>结构化文本</a:t>
             </a:r>
             <a:endParaRPr kumimoji="0" lang="zh-CN" altLang="en-US" sz="1800" b="0" i="0" u="none" strike="noStrike" cap="none" spc="0" normalizeH="0" baseline="0">
               <a:ln>
@@ -22799,10 +24051,10 @@
                 <a:cs typeface="Arial" panose="020B0604020202020204"/>
                 <a:sym typeface="Arial" panose="020B0604020202020204"/>
               </a:rPr>
-              <a:t>,</a:t>
-            </a:r>
-            <a:r>
-              <a:rPr kumimoji="0" lang="en-US" altLang="zh-CN" sz="1600" b="0" i="0" baseline="0">
+              <a:t>,MapReduce</a:t>
+            </a:r>
+            <a:r>
+              <a:rPr kumimoji="0" lang="zh-CN" altLang="en-US" sz="1600" b="0" i="0" baseline="0">
                 <a:ln>
                   <a:noFill/>
                 </a:ln>
@@ -22816,41 +24068,7 @@
                 <a:cs typeface="Arial" panose="020B0604020202020204"/>
                 <a:sym typeface="Arial" panose="020B0604020202020204"/>
               </a:rPr>
-              <a:t>MapReduce</a:t>
-            </a:r>
-            <a:r>
-              <a:rPr kumimoji="0" lang="zh-CN" altLang="en-US" sz="1600" b="0" i="0" baseline="0">
-                <a:ln>
-                  <a:noFill/>
-                </a:ln>
-                <a:solidFill>
-                  <a:schemeClr val="accent1"/>
-                </a:solidFill>
-                <a:effectLst/>
-                <a:uFillTx/>
-                <a:latin typeface="Arial" panose="020B0604020202020204" pitchFamily="34" charset="0"/>
-                <a:ea typeface="宋体" panose="02010600030101010101" pitchFamily="2" charset="-122"/>
-                <a:cs typeface="Arial" panose="020B0604020202020204"/>
-                <a:sym typeface="Arial" panose="020B0604020202020204"/>
-              </a:rPr>
-              <a:t>，单机工具</a:t>
-            </a:r>
-            <a:r>
-              <a:rPr kumimoji="0" lang="zh-CN" altLang="en-US" sz="1600" b="0" i="0" baseline="0">
-                <a:ln>
-                  <a:noFill/>
-                </a:ln>
-                <a:solidFill>
-                  <a:schemeClr val="accent1"/>
-                </a:solidFill>
-                <a:effectLst/>
-                <a:uFillTx/>
-                <a:latin typeface="Arial" panose="020B0604020202020204" pitchFamily="34" charset="0"/>
-                <a:ea typeface="宋体" panose="02010600030101010101" pitchFamily="2" charset="-122"/>
-                <a:cs typeface="Arial" panose="020B0604020202020204"/>
-                <a:sym typeface="Arial" panose="020B0604020202020204"/>
-              </a:rPr>
-              <a:t>）</a:t>
+              <a:t>，单机工具）</a:t>
             </a:r>
             <a:endParaRPr kumimoji="0" lang="zh-CN" altLang="en-US" sz="1600" b="0" i="0" baseline="0">
               <a:ln>
@@ -33317,6 +34535,57 @@
               </a:rPr>
               <a:t>，</a:t>
             </a:r>
+            <a:r>
+              <a:rPr kumimoji="0" lang="en-US" altLang="zh-CN" sz="1600" b="0" i="0" u="none" strike="noStrike" cap="none" spc="0" normalizeH="0" baseline="0">
+                <a:ln>
+                  <a:noFill/>
+                </a:ln>
+                <a:solidFill>
+                  <a:schemeClr val="tx2"/>
+                </a:solidFill>
+                <a:effectLst/>
+                <a:uFillTx/>
+                <a:latin typeface="Arial" panose="020B0604020202020204"/>
+                <a:ea typeface="宋体" panose="02010600030101010101" pitchFamily="2" charset="-122"/>
+                <a:cs typeface="Arial" panose="020B0604020202020204"/>
+                <a:sym typeface="Arial" panose="020B0604020202020204"/>
+              </a:rPr>
+              <a:t>es</a:t>
+            </a:r>
+            <a:r>
+              <a:rPr kumimoji="0" lang="zh-CN" altLang="en-US" sz="1600" b="0" i="0" u="none" strike="noStrike" cap="none" spc="0" normalizeH="0" baseline="0">
+                <a:ln>
+                  <a:noFill/>
+                </a:ln>
+                <a:solidFill>
+                  <a:schemeClr val="tx2"/>
+                </a:solidFill>
+                <a:effectLst/>
+                <a:uFillTx/>
+                <a:latin typeface="Arial" panose="020B0604020202020204"/>
+                <a:ea typeface="宋体" panose="02010600030101010101" pitchFamily="2" charset="-122"/>
+                <a:cs typeface="Arial" panose="020B0604020202020204"/>
+                <a:sym typeface="Arial" panose="020B0604020202020204"/>
+              </a:rPr>
+              <a:t>，</a:t>
+            </a:r>
+            <a:r>
+              <a:rPr kumimoji="0" lang="en-US" altLang="zh-CN" sz="1600" b="0" i="0" u="none" strike="noStrike" cap="none" spc="0" normalizeH="0" baseline="0">
+                <a:ln>
+                  <a:noFill/>
+                </a:ln>
+                <a:solidFill>
+                  <a:schemeClr val="tx2"/>
+                </a:solidFill>
+                <a:effectLst/>
+                <a:uFillTx/>
+                <a:latin typeface="Arial" panose="020B0604020202020204"/>
+                <a:ea typeface="宋体" panose="02010600030101010101" pitchFamily="2" charset="-122"/>
+                <a:cs typeface="Arial" panose="020B0604020202020204"/>
+                <a:sym typeface="Arial" panose="020B0604020202020204"/>
+              </a:rPr>
+              <a:t>solr</a:t>
+            </a:r>
             <a:endParaRPr kumimoji="0" lang="zh-CN" altLang="en-US" sz="1600" b="0" i="0" u="none" strike="noStrike" cap="none" spc="0" normalizeH="0" baseline="0">
               <a:ln>
                 <a:noFill/>
@@ -34132,7 +35401,58 @@
                 <a:cs typeface="Arial" panose="020B0604020202020204"/>
                 <a:sym typeface="Arial" panose="020B0604020202020204"/>
               </a:rPr>
-              <a:t>物品</a:t>
+              <a:t>物品画像，知识图谱（序列标注</a:t>
+            </a:r>
+            <a:r>
+              <a:rPr kumimoji="0" lang="en-US" altLang="zh-CN" sz="1800" b="0" i="0" u="none" strike="noStrike" cap="none" spc="0" normalizeH="0" baseline="0">
+                <a:ln>
+                  <a:noFill/>
+                </a:ln>
+                <a:solidFill>
+                  <a:schemeClr val="accent1"/>
+                </a:solidFill>
+                <a:effectLst/>
+                <a:uFillTx/>
+                <a:latin typeface="Arial" panose="020B0604020202020204"/>
+                <a:ea typeface="宋体" panose="02010600030101010101" pitchFamily="2" charset="-122"/>
+                <a:cs typeface="Arial" panose="020B0604020202020204"/>
+                <a:sym typeface="Arial" panose="020B0604020202020204"/>
+              </a:rPr>
+              <a:t>[</a:t>
+            </a:r>
+            <a:r>
+              <a:rPr kumimoji="0" lang="zh-CN" altLang="zh-CN" sz="1800" b="0" i="0" u="none" strike="noStrike" cap="none" spc="0" normalizeH="0" baseline="0">
+                <a:ln>
+                  <a:noFill/>
+                </a:ln>
+                <a:solidFill>
+                  <a:schemeClr val="accent1"/>
+                </a:solidFill>
+                <a:effectLst/>
+                <a:uFillTx/>
+                <a:latin typeface="Arial" panose="020B0604020202020204"/>
+                <a:ea typeface="宋体" panose="02010600030101010101" pitchFamily="2" charset="-122"/>
+                <a:cs typeface="Arial" panose="020B0604020202020204"/>
+                <a:sym typeface="Arial" panose="020B0604020202020204"/>
+              </a:rPr>
+              <a:t>分词，命名实体</a:t>
+            </a:r>
+            <a:r>
+              <a:rPr kumimoji="0" lang="en-US" altLang="zh-CN" sz="1800" b="0" i="0" u="none" strike="noStrike" cap="none" spc="0" normalizeH="0" baseline="0">
+                <a:ln>
+                  <a:noFill/>
+                </a:ln>
+                <a:solidFill>
+                  <a:schemeClr val="accent1"/>
+                </a:solidFill>
+                <a:effectLst/>
+                <a:uFillTx/>
+                <a:latin typeface="Arial" panose="020B0604020202020204"/>
+                <a:ea typeface="宋体" panose="02010600030101010101" pitchFamily="2" charset="-122"/>
+                <a:cs typeface="Arial" panose="020B0604020202020204"/>
+                <a:sym typeface="Arial" panose="020B0604020202020204"/>
+              </a:rPr>
+              <a:t>]</a:t>
             </a:r>
             <a:r>
               <a:rPr kumimoji="0" lang="zh-CN" altLang="en-US" sz="1800" b="0" i="0" u="none" strike="noStrike" cap="none" spc="0" normalizeH="0" baseline="0">
@@ -34149,92 +35469,7 @@
                 <a:cs typeface="Arial" panose="020B0604020202020204"/>
                 <a:sym typeface="Arial" panose="020B0604020202020204"/>
               </a:rPr>
-              <a:t>画像，知识图谱（序列标注</a:t>
-            </a:r>
-            <a:r>
-              <a:rPr kumimoji="0" lang="en-US" altLang="zh-CN" sz="1800" b="0" i="0" u="none" strike="noStrike" cap="none" spc="0" normalizeH="0" baseline="0">
-                <a:ln>
-                  <a:noFill/>
-                </a:ln>
-                <a:solidFill>
-                  <a:schemeClr val="accent1"/>
-                </a:solidFill>
-                <a:effectLst/>
-                <a:uFillTx/>
-                <a:latin typeface="Arial" panose="020B0604020202020204"/>
-                <a:ea typeface="宋体" panose="02010600030101010101" pitchFamily="2" charset="-122"/>
-                <a:cs typeface="Arial" panose="020B0604020202020204"/>
-                <a:sym typeface="Arial" panose="020B0604020202020204"/>
-              </a:rPr>
-              <a:t>[</a:t>
-            </a:r>
-            <a:r>
-              <a:rPr kumimoji="0" lang="zh-CN" altLang="zh-CN" sz="1800" b="0" i="0" u="none" strike="noStrike" cap="none" spc="0" normalizeH="0" baseline="0">
-                <a:ln>
-                  <a:noFill/>
-                </a:ln>
-                <a:solidFill>
-                  <a:schemeClr val="accent1"/>
-                </a:solidFill>
-                <a:effectLst/>
-                <a:uFillTx/>
-                <a:latin typeface="Arial" panose="020B0604020202020204"/>
-                <a:ea typeface="宋体" panose="02010600030101010101" pitchFamily="2" charset="-122"/>
-                <a:cs typeface="Arial" panose="020B0604020202020204"/>
-                <a:sym typeface="Arial" panose="020B0604020202020204"/>
-              </a:rPr>
-              <a:t>分词，命名实体</a:t>
-            </a:r>
-            <a:r>
-              <a:rPr kumimoji="0" lang="en-US" altLang="zh-CN" sz="1800" b="0" i="0" u="none" strike="noStrike" cap="none" spc="0" normalizeH="0" baseline="0">
-                <a:ln>
-                  <a:noFill/>
-                </a:ln>
-                <a:solidFill>
-                  <a:schemeClr val="accent1"/>
-                </a:solidFill>
-                <a:effectLst/>
-                <a:uFillTx/>
-                <a:latin typeface="Arial" panose="020B0604020202020204"/>
-                <a:ea typeface="宋体" panose="02010600030101010101" pitchFamily="2" charset="-122"/>
-                <a:cs typeface="Arial" panose="020B0604020202020204"/>
-                <a:sym typeface="Arial" panose="020B0604020202020204"/>
-              </a:rPr>
-              <a:t>]</a:t>
-            </a:r>
-            <a:r>
-              <a:rPr kumimoji="0" lang="zh-CN" altLang="en-US" sz="1800" b="0" i="0" u="none" strike="noStrike" cap="none" spc="0" normalizeH="0" baseline="0">
-                <a:ln>
-                  <a:noFill/>
-                </a:ln>
-                <a:solidFill>
-                  <a:schemeClr val="accent1"/>
-                </a:solidFill>
-                <a:effectLst/>
-                <a:uFillTx/>
-                <a:latin typeface="Arial" panose="020B0604020202020204"/>
-                <a:ea typeface="宋体" panose="02010600030101010101" pitchFamily="2" charset="-122"/>
-                <a:cs typeface="Arial" panose="020B0604020202020204"/>
-                <a:sym typeface="Arial" panose="020B0604020202020204"/>
-              </a:rPr>
-              <a:t>，词向量</a:t>
-            </a:r>
-            <a:r>
-              <a:rPr kumimoji="0" lang="zh-CN" altLang="en-US" sz="1800" b="0" i="0" u="none" strike="noStrike" cap="none" spc="0" normalizeH="0" baseline="0">
-                <a:ln>
-                  <a:noFill/>
-                </a:ln>
-                <a:solidFill>
-                  <a:schemeClr val="accent1"/>
-                </a:solidFill>
-                <a:effectLst/>
-                <a:uFillTx/>
-                <a:latin typeface="Arial" panose="020B0604020202020204"/>
-                <a:ea typeface="宋体" panose="02010600030101010101" pitchFamily="2" charset="-122"/>
-                <a:cs typeface="Arial" panose="020B0604020202020204"/>
-                <a:sym typeface="Arial" panose="020B0604020202020204"/>
-              </a:rPr>
-              <a:t>）</a:t>
+              <a:t>，词向量）</a:t>
             </a:r>
             <a:endParaRPr kumimoji="0" lang="zh-CN" altLang="en-US" sz="1800" b="0" i="0" u="none" strike="noStrike" cap="none" spc="0" normalizeH="0" baseline="0">
               <a:ln>
@@ -34749,39 +35984,59 @@
                 <a:cs typeface="Arial" panose="020B0604020202020204"/>
                 <a:sym typeface="Arial" panose="020B0604020202020204"/>
               </a:rPr>
-              <a:t>工具了，而是首先做什么，其次该怎么做，最后用</a:t>
-            </a:r>
-            <a:endParaRPr kumimoji="0" lang="zh-CN" altLang="en-US" sz="1800" b="0" i="0" u="none" strike="noStrike" cap="none" spc="0" normalizeH="0" baseline="0">
-              <a:ln>
-                <a:noFill/>
-              </a:ln>
-              <a:solidFill>
-                <a:schemeClr val="accent1"/>
-              </a:solidFill>
-              <a:effectLst/>
-              <a:uFillTx/>
-              <a:latin typeface="Arial" panose="020B0604020202020204"/>
-              <a:ea typeface="宋体" panose="02010600030101010101" pitchFamily="2" charset="-122"/>
-              <a:cs typeface="Arial" panose="020B0604020202020204"/>
-              <a:sym typeface="Arial" panose="020B0604020202020204"/>
-            </a:endParaRPr>
-          </a:p>
-          <a:p>
-            <a:pPr marL="0" marR="0" indent="0" algn="l" defTabSz="914400" rtl="0" fontAlgn="auto" latinLnBrk="0" hangingPunct="0">
-              <a:lnSpc>
-                <a:spcPct val="100000"/>
-              </a:lnSpc>
-              <a:spcBef>
-                <a:spcPts val="0"/>
-              </a:spcBef>
-              <a:spcAft>
-                <a:spcPts val="0"/>
-              </a:spcAft>
-              <a:buClrTx/>
-              <a:buSzTx/>
-              <a:buFontTx/>
-              <a:buNone/>
-            </a:pPr>
+              <a:t>工具了，而是首先做什么</a:t>
+            </a:r>
+            <a:r>
+              <a:rPr kumimoji="0" lang="en-US" altLang="zh-CN" sz="1800" b="0" i="0" u="none" strike="noStrike" cap="none" spc="0" normalizeH="0" baseline="0">
+                <a:ln>
+                  <a:noFill/>
+                </a:ln>
+                <a:solidFill>
+                  <a:schemeClr val="accent1"/>
+                </a:solidFill>
+                <a:effectLst/>
+                <a:uFillTx/>
+                <a:latin typeface="Arial" panose="020B0604020202020204"/>
+                <a:ea typeface="宋体" panose="02010600030101010101" pitchFamily="2" charset="-122"/>
+                <a:cs typeface="Arial" panose="020B0604020202020204"/>
+                <a:sym typeface="Arial" panose="020B0604020202020204"/>
+              </a:rPr>
+              <a:t>[</a:t>
+            </a:r>
+            <a:r>
+              <a:rPr kumimoji="0" lang="zh-CN" altLang="zh-CN" sz="1800" b="0" i="0" u="none" strike="noStrike" cap="none" spc="0" normalizeH="0" baseline="0">
+                <a:ln>
+                  <a:noFill/>
+                </a:ln>
+                <a:solidFill>
+                  <a:srgbClr val="FF0000"/>
+                </a:solidFill>
+                <a:effectLst/>
+                <a:uFillTx/>
+                <a:latin typeface="Arial" panose="020B0604020202020204"/>
+                <a:ea typeface="宋体" panose="02010600030101010101" pitchFamily="2" charset="-122"/>
+                <a:cs typeface="Arial" panose="020B0604020202020204"/>
+                <a:sym typeface="Arial" panose="020B0604020202020204"/>
+              </a:rPr>
+              <a:t>确定目标</a:t>
+            </a:r>
+            <a:r>
+              <a:rPr kumimoji="0" lang="en-US" altLang="zh-CN" sz="1800" b="0" i="0" u="none" strike="noStrike" cap="none" spc="0" normalizeH="0" baseline="0">
+                <a:ln>
+                  <a:noFill/>
+                </a:ln>
+                <a:solidFill>
+                  <a:schemeClr val="accent1"/>
+                </a:solidFill>
+                <a:effectLst/>
+                <a:uFillTx/>
+                <a:latin typeface="Arial" panose="020B0604020202020204"/>
+                <a:ea typeface="宋体" panose="02010600030101010101" pitchFamily="2" charset="-122"/>
+                <a:cs typeface="Arial" panose="020B0604020202020204"/>
+                <a:sym typeface="Arial" panose="020B0604020202020204"/>
+              </a:rPr>
+              <a:t>]</a:t>
+            </a:r>
             <a:r>
               <a:rPr kumimoji="0" lang="zh-CN" altLang="en-US" sz="1800" b="0" i="0" u="none" strike="noStrike" cap="none" spc="0" normalizeH="0" baseline="0">
                 <a:ln>
@@ -34797,9 +36052,128 @@
                 <a:cs typeface="Arial" panose="020B0604020202020204"/>
                 <a:sym typeface="Arial" panose="020B0604020202020204"/>
               </a:rPr>
-              <a:t>哪个做</a:t>
-            </a:r>
-            <a:endParaRPr kumimoji="0" lang="zh-CN" altLang="en-US" sz="1800" b="0" i="0" u="none" strike="noStrike" cap="none" spc="0" normalizeH="0" baseline="0">
+              <a:t>，其次该怎么做</a:t>
+            </a:r>
+            <a:r>
+              <a:rPr kumimoji="0" lang="en-US" altLang="zh-CN" sz="1800" b="0" i="0" u="none" strike="noStrike" cap="none" spc="0" normalizeH="0" baseline="0">
+                <a:ln>
+                  <a:noFill/>
+                </a:ln>
+                <a:solidFill>
+                  <a:schemeClr val="accent1"/>
+                </a:solidFill>
+                <a:effectLst/>
+                <a:uFillTx/>
+                <a:latin typeface="Arial" panose="020B0604020202020204"/>
+                <a:ea typeface="宋体" panose="02010600030101010101" pitchFamily="2" charset="-122"/>
+                <a:cs typeface="Arial" panose="020B0604020202020204"/>
+                <a:sym typeface="Arial" panose="020B0604020202020204"/>
+              </a:rPr>
+              <a:t>[</a:t>
+            </a:r>
+            <a:r>
+              <a:rPr kumimoji="0" lang="zh-CN" altLang="zh-CN" sz="1800" b="0" i="0" baseline="0">
+                <a:ln>
+                  <a:noFill/>
+                </a:ln>
+                <a:solidFill>
+                  <a:srgbClr val="FF0000"/>
+                </a:solidFill>
+                <a:effectLst/>
+                <a:uFillTx/>
+                <a:latin typeface="Arial" panose="020B0604020202020204"/>
+                <a:ea typeface="宋体" panose="02010600030101010101" pitchFamily="2" charset="-122"/>
+                <a:cs typeface="Arial" panose="020B0604020202020204"/>
+                <a:sym typeface="Arial" panose="020B0604020202020204"/>
+              </a:rPr>
+              <a:t>原理的重要性</a:t>
+            </a:r>
+            <a:r>
+              <a:rPr kumimoji="0" lang="en-US" altLang="zh-CN" sz="1800" b="0" i="0" u="none" strike="noStrike" cap="none" spc="0" normalizeH="0" baseline="0">
+                <a:ln>
+                  <a:noFill/>
+                </a:ln>
+                <a:solidFill>
+                  <a:schemeClr val="accent1"/>
+                </a:solidFill>
+                <a:effectLst/>
+                <a:uFillTx/>
+                <a:latin typeface="Arial" panose="020B0604020202020204"/>
+                <a:ea typeface="宋体" panose="02010600030101010101" pitchFamily="2" charset="-122"/>
+                <a:cs typeface="Arial" panose="020B0604020202020204"/>
+                <a:sym typeface="Arial" panose="020B0604020202020204"/>
+              </a:rPr>
+              <a:t>]</a:t>
+            </a:r>
+            <a:r>
+              <a:rPr kumimoji="0" lang="zh-CN" altLang="en-US" sz="1800" b="0" i="0" u="none" strike="noStrike" cap="none" spc="0" normalizeH="0" baseline="0">
+                <a:ln>
+                  <a:noFill/>
+                </a:ln>
+                <a:solidFill>
+                  <a:schemeClr val="accent1"/>
+                </a:solidFill>
+                <a:effectLst/>
+                <a:uFillTx/>
+                <a:latin typeface="Arial" panose="020B0604020202020204"/>
+                <a:ea typeface="宋体" panose="02010600030101010101" pitchFamily="2" charset="-122"/>
+                <a:cs typeface="Arial" panose="020B0604020202020204"/>
+                <a:sym typeface="Arial" panose="020B0604020202020204"/>
+              </a:rPr>
+              <a:t>，最后用哪个做</a:t>
+            </a:r>
+            <a:r>
+              <a:rPr kumimoji="0" lang="en-US" altLang="zh-CN" sz="1800" b="0" i="0" u="none" strike="noStrike" cap="none" spc="0" normalizeH="0" baseline="0">
+                <a:ln>
+                  <a:noFill/>
+                </a:ln>
+                <a:solidFill>
+                  <a:schemeClr val="accent1"/>
+                </a:solidFill>
+                <a:effectLst/>
+                <a:uFillTx/>
+                <a:latin typeface="Arial" panose="020B0604020202020204"/>
+                <a:ea typeface="宋体" panose="02010600030101010101" pitchFamily="2" charset="-122"/>
+                <a:cs typeface="Arial" panose="020B0604020202020204"/>
+                <a:sym typeface="Arial" panose="020B0604020202020204"/>
+              </a:rPr>
+              <a:t>[</a:t>
+            </a:r>
+            <a:r>
+              <a:rPr kumimoji="0" lang="zh-CN" altLang="en-US" sz="1800" b="0" i="0" baseline="0">
+                <a:ln>
+                  <a:noFill/>
+                </a:ln>
+                <a:solidFill>
+                  <a:srgbClr val="FF0000"/>
+                </a:solidFill>
+                <a:effectLst/>
+                <a:uFillTx/>
+                <a:latin typeface="Arial" panose="020B0604020202020204"/>
+                <a:ea typeface="宋体" panose="02010600030101010101" pitchFamily="2" charset="-122"/>
+                <a:cs typeface="Arial" panose="020B0604020202020204"/>
+                <a:sym typeface="Arial" panose="020B0604020202020204"/>
+              </a:rPr>
+              <a:t>用哪些工具来实现并验证原理</a:t>
+            </a:r>
+            <a:r>
+              <a:rPr kumimoji="0" lang="en-US" altLang="zh-CN" sz="1800" b="0" i="0" u="none" strike="noStrike" cap="none" spc="0" normalizeH="0" baseline="0">
+                <a:ln>
+                  <a:noFill/>
+                </a:ln>
+                <a:solidFill>
+                  <a:schemeClr val="accent1"/>
+                </a:solidFill>
+                <a:effectLst/>
+                <a:uFillTx/>
+                <a:latin typeface="Arial" panose="020B0604020202020204"/>
+                <a:ea typeface="宋体" panose="02010600030101010101" pitchFamily="2" charset="-122"/>
+                <a:cs typeface="Arial" panose="020B0604020202020204"/>
+                <a:sym typeface="Arial" panose="020B0604020202020204"/>
+              </a:rPr>
+              <a:t>]</a:t>
+            </a:r>
+            <a:endParaRPr kumimoji="0" lang="en-US" altLang="zh-CN" sz="1800" b="0" i="0" u="none" strike="noStrike" cap="none" spc="0" normalizeH="0" baseline="0">
               <a:ln>
                 <a:noFill/>
               </a:ln>
